--- a/Presentaciones/04 - SQL.pptx
+++ b/Presentaciones/04 - SQL.pptx
@@ -1481,7 +1481,7 @@
             <a:fld id="{D4448AA6-E28B-4F9A-8BD9-EB3B4387018A}" type="datetimeFigureOut">
               <a:rPr lang="es-CO" smtClean="0"/>
               <a:pPr/>
-              <a:t>10/05/2024</a:t>
+              <a:t>12/05/2024</a:t>
             </a:fld>
             <a:endParaRPr lang="es-CO"/>
           </a:p>
@@ -4982,91 +4982,192 @@
           <a:lstStyle/>
           <a:p>
             <a:r>
-              <a:rPr lang="es-CO" dirty="0"/>
-              <a:t>SELECT COUNT(*)</a:t>
-            </a:r>
-          </a:p>
-          <a:p>
-            <a:r>
-              <a:rPr lang="es-CO" dirty="0"/>
-              <a:t>FROM </a:t>
-            </a:r>
-            <a:r>
-              <a:rPr lang="es-CO" dirty="0" err="1"/>
+              <a:rPr lang="es-ES" dirty="0"/>
+              <a:t>-- Cuántos álbumes hay (use </a:t>
+            </a:r>
+            <a:r>
+              <a:rPr lang="es-ES" dirty="0" err="1"/>
+              <a:t>count</a:t>
+            </a:r>
+            <a:r>
+              <a:rPr lang="es-ES" dirty="0"/>
+              <a:t>)</a:t>
+            </a:r>
+          </a:p>
+          <a:p>
+            <a:r>
+              <a:rPr lang="es-ES" dirty="0"/>
+              <a:t>SELECT COUNT(*) AS </a:t>
+            </a:r>
+            <a:r>
+              <a:rPr lang="es-ES" dirty="0" err="1"/>
+              <a:t>total_albumes</a:t>
+            </a:r>
+            <a:r>
+              <a:rPr lang="es-ES" dirty="0"/>
+              <a:t> FROM </a:t>
+            </a:r>
+            <a:r>
+              <a:rPr lang="es-ES" dirty="0" err="1"/>
               <a:t>albumes</a:t>
             </a:r>
             <a:r>
-              <a:rPr lang="es-CO" dirty="0"/>
+              <a:rPr lang="es-ES" dirty="0"/>
               <a:t>;</a:t>
             </a:r>
           </a:p>
           <a:p>
+            <a:endParaRPr lang="es-ES" dirty="0"/>
+          </a:p>
+          <a:p>
+            <a:r>
+              <a:rPr lang="es-ES" dirty="0"/>
+              <a:t>-- El promedio de la duración de todas las canciones (</a:t>
+            </a:r>
+            <a:r>
+              <a:rPr lang="es-ES" dirty="0" err="1"/>
+              <a:t>avg</a:t>
+            </a:r>
+            <a:r>
+              <a:rPr lang="es-ES" dirty="0"/>
+              <a:t> </a:t>
+            </a:r>
+            <a:r>
+              <a:rPr lang="es-ES" dirty="0" err="1"/>
+              <a:t>count</a:t>
+            </a:r>
+            <a:r>
+              <a:rPr lang="es-ES" dirty="0"/>
+              <a:t>) redondeado a dos decimales</a:t>
+            </a:r>
+          </a:p>
+          <a:p>
+            <a:r>
+              <a:rPr lang="es-ES" dirty="0"/>
+              <a:t>SELECT ROUND(AVG(milisegundos), 2) AS </a:t>
+            </a:r>
+            <a:r>
+              <a:rPr lang="es-ES" dirty="0" err="1"/>
+              <a:t>duracion_promedio</a:t>
+            </a:r>
+            <a:r>
+              <a:rPr lang="es-ES" dirty="0"/>
+              <a:t> FROM canciones;</a:t>
+            </a:r>
+          </a:p>
+          <a:p>
+            <a:endParaRPr lang="es-ES" dirty="0"/>
+          </a:p>
+          <a:p>
+            <a:r>
+              <a:rPr lang="es-ES" dirty="0"/>
+              <a:t>-- Qué capacidad debería tener el disco duro en bytes para albergar todas las canciones de la base de datos (use sum) </a:t>
+            </a:r>
+          </a:p>
+          <a:p>
+            <a:r>
+              <a:rPr lang="es-ES" dirty="0"/>
+              <a:t>SELECT SUM(bytes) AS </a:t>
+            </a:r>
+            <a:r>
+              <a:rPr lang="es-ES" dirty="0" err="1"/>
+              <a:t>capacidad_disco</a:t>
+            </a:r>
+            <a:r>
+              <a:rPr lang="es-ES" dirty="0"/>
+              <a:t> FROM canciones;</a:t>
+            </a:r>
+          </a:p>
+          <a:p>
+            <a:endParaRPr lang="es-ES" dirty="0"/>
+          </a:p>
+          <a:p>
+            <a:r>
+              <a:rPr lang="es-ES" dirty="0"/>
+              <a:t>-- Cuál es el nombre y precio de la canción más cara y el nombre y precio de la más barata (use </a:t>
+            </a:r>
+            <a:r>
+              <a:rPr lang="es-ES" dirty="0" err="1"/>
+              <a:t>max</a:t>
+            </a:r>
+            <a:r>
+              <a:rPr lang="es-ES" dirty="0"/>
+              <a:t> y min) </a:t>
+            </a:r>
+          </a:p>
+          <a:p>
+            <a:r>
+              <a:rPr lang="es-ES" dirty="0"/>
+              <a:t>SELECT nombre, </a:t>
+            </a:r>
+            <a:r>
+              <a:rPr lang="es-ES" dirty="0" err="1"/>
+              <a:t>precio_unitario</a:t>
+            </a:r>
+            <a:r>
+              <a:rPr lang="es-ES" dirty="0"/>
+              <a:t> AS precio FROM canciones</a:t>
+            </a:r>
+          </a:p>
+          <a:p>
+            <a:r>
+              <a:rPr lang="es-ES" dirty="0"/>
+              <a:t>WHERE </a:t>
+            </a:r>
+            <a:r>
+              <a:rPr lang="es-ES" dirty="0" err="1"/>
+              <a:t>precio_unitario</a:t>
+            </a:r>
+            <a:r>
+              <a:rPr lang="es-ES" dirty="0"/>
+              <a:t> = (SELECT MAX(</a:t>
+            </a:r>
+            <a:r>
+              <a:rPr lang="es-ES" dirty="0" err="1"/>
+              <a:t>precio_unitario</a:t>
+            </a:r>
+            <a:r>
+              <a:rPr lang="es-ES" dirty="0"/>
+              <a:t>) FROM canciones) </a:t>
+            </a:r>
+          </a:p>
+          <a:p>
+            <a:r>
+              <a:rPr lang="es-ES" dirty="0"/>
+              <a:t>OR </a:t>
+            </a:r>
+            <a:r>
+              <a:rPr lang="es-ES" dirty="0" err="1"/>
+              <a:t>precio_unitario</a:t>
+            </a:r>
+            <a:r>
+              <a:rPr lang="es-ES" dirty="0"/>
+              <a:t> = (SELECT MIN(</a:t>
+            </a:r>
+            <a:r>
+              <a:rPr lang="es-ES" dirty="0" err="1"/>
+              <a:t>precio_unitario</a:t>
+            </a:r>
+            <a:r>
+              <a:rPr lang="es-ES" dirty="0"/>
+              <a:t>) FROM canciones);</a:t>
+            </a:r>
+          </a:p>
+          <a:p>
+            <a:endParaRPr lang="es-ES" dirty="0"/>
+          </a:p>
+          <a:p>
+            <a:r>
+              <a:rPr lang="es-ES" dirty="0"/>
+              <a:t>-- Cuál es el nombre de la canción con tiempo de duración más corto (use min) </a:t>
+            </a:r>
+          </a:p>
+          <a:p>
+            <a:r>
+              <a:rPr lang="es-ES" dirty="0"/>
+              <a:t>SELECT nombre FROM canciones WHERE milisegundos = (SELECT MIN(milisegundos) FROM canciones);</a:t>
+            </a:r>
             <a:endParaRPr lang="es-CO" dirty="0"/>
-          </a:p>
-          <a:p>
-            <a:r>
-              <a:rPr lang="es-CO" dirty="0"/>
-              <a:t>SELECT AVG(milisegundos)</a:t>
-            </a:r>
-          </a:p>
-          <a:p>
-            <a:r>
-              <a:rPr lang="es-CO" dirty="0"/>
-              <a:t>FROM canciones;</a:t>
-            </a:r>
-          </a:p>
-          <a:p>
-            <a:endParaRPr lang="es-CO" dirty="0"/>
-          </a:p>
-          <a:p>
-            <a:r>
-              <a:rPr lang="es-CO" dirty="0"/>
-              <a:t>SELECT SUM(bytes)</a:t>
-            </a:r>
-          </a:p>
-          <a:p>
-            <a:r>
-              <a:rPr lang="es-CO" dirty="0"/>
-              <a:t>FROM canciones;</a:t>
-            </a:r>
-          </a:p>
-          <a:p>
-            <a:endParaRPr lang="es-CO" dirty="0"/>
-          </a:p>
-          <a:p>
-            <a:r>
-              <a:rPr lang="es-CO" dirty="0"/>
-              <a:t>SELECT MAX(</a:t>
-            </a:r>
-            <a:r>
-              <a:rPr lang="es-CO" dirty="0" err="1"/>
-              <a:t>precio_unitario</a:t>
-            </a:r>
-            <a:r>
-              <a:rPr lang="es-CO" dirty="0"/>
-              <a:t>)</a:t>
-            </a:r>
-          </a:p>
-          <a:p>
-            <a:r>
-              <a:rPr lang="es-CO" dirty="0"/>
-              <a:t>FROM canciones;</a:t>
-            </a:r>
-          </a:p>
-          <a:p>
-            <a:endParaRPr lang="es-CO" dirty="0"/>
-          </a:p>
-          <a:p>
-            <a:r>
-              <a:rPr lang="es-CO" dirty="0"/>
-              <a:t>SELECT MIN(milisegundos)</a:t>
-            </a:r>
-          </a:p>
-          <a:p>
-            <a:r>
-              <a:rPr lang="es-CO" dirty="0"/>
-              <a:t>FROM canciones;</a:t>
-            </a:r>
           </a:p>
         </p:txBody>
       </p:sp>
@@ -10282,166 +10383,124 @@
           <a:lstStyle/>
           <a:p>
             <a:r>
-              <a:rPr lang="es-CO" dirty="0"/>
-              <a:t>SELECT nombre, presupuesto</a:t>
-            </a:r>
-          </a:p>
-          <a:p>
-            <a:r>
-              <a:rPr lang="es-CO" dirty="0"/>
-              <a:t>FROM </a:t>
-            </a:r>
-            <a:r>
-              <a:rPr lang="es-CO" dirty="0" err="1"/>
-              <a:t>Parranderos.bares</a:t>
+              <a:rPr lang="es-ES" dirty="0"/>
+              <a:t>--Toda la información de todos los álbumes</a:t>
+            </a:r>
+          </a:p>
+          <a:p>
+            <a:r>
+              <a:rPr lang="es-ES" dirty="0"/>
+              <a:t>SELECT * FROM </a:t>
+            </a:r>
+            <a:r>
+              <a:rPr lang="es-ES" dirty="0" err="1"/>
+              <a:t>albumes</a:t>
+            </a:r>
+            <a:r>
+              <a:rPr lang="es-ES" dirty="0"/>
+              <a:t>;</a:t>
+            </a:r>
+          </a:p>
+          <a:p>
+            <a:endParaRPr lang="es-ES" dirty="0"/>
+          </a:p>
+          <a:p>
+            <a:r>
+              <a:rPr lang="es-ES" dirty="0"/>
+              <a:t>--El nombre de todos los géneros </a:t>
+            </a:r>
+          </a:p>
+          <a:p>
+            <a:r>
+              <a:rPr lang="es-ES" dirty="0"/>
+              <a:t>SELECT nombre FROM </a:t>
+            </a:r>
+            <a:r>
+              <a:rPr lang="es-ES" dirty="0" err="1"/>
+              <a:t>generos</a:t>
+            </a:r>
+            <a:r>
+              <a:rPr lang="es-ES" dirty="0"/>
+              <a:t>;</a:t>
+            </a:r>
+          </a:p>
+          <a:p>
+            <a:endParaRPr lang="es-ES" dirty="0"/>
+          </a:p>
+          <a:p>
+            <a:r>
+              <a:rPr lang="es-ES" dirty="0"/>
+              <a:t>--El nombre de todos los tipos de medios</a:t>
+            </a:r>
+          </a:p>
+          <a:p>
+            <a:r>
+              <a:rPr lang="es-ES" dirty="0"/>
+              <a:t>SELECT nombre FROM </a:t>
+            </a:r>
+            <a:r>
+              <a:rPr lang="es-ES" dirty="0" err="1"/>
+              <a:t>tipos_medio</a:t>
+            </a:r>
+            <a:r>
+              <a:rPr lang="es-ES" dirty="0"/>
+              <a:t>;</a:t>
+            </a:r>
+          </a:p>
+          <a:p>
+            <a:endParaRPr lang="es-ES" dirty="0"/>
+          </a:p>
+          <a:p>
+            <a:r>
+              <a:rPr lang="es-ES" dirty="0"/>
+              <a:t>--El nombre, el compositor y la duración de todas las canciones</a:t>
+            </a:r>
+          </a:p>
+          <a:p>
+            <a:r>
+              <a:rPr lang="es-ES" dirty="0"/>
+              <a:t>SELECT nombre, compositor, milisegundos FROM canciones;</a:t>
+            </a:r>
+          </a:p>
+          <a:p>
+            <a:endParaRPr lang="es-ES" dirty="0"/>
+          </a:p>
+          <a:p>
+            <a:r>
+              <a:rPr lang="es-ES" dirty="0"/>
+              <a:t>--El nombre de las canciones que no tienen registrado su peso en bytes</a:t>
+            </a:r>
+          </a:p>
+          <a:p>
+            <a:r>
+              <a:rPr lang="es-ES" dirty="0"/>
+              <a:t>SELECT nombre FROM canciones WHERE bytes </a:t>
+            </a:r>
+            <a:r>
+              <a:rPr lang="es-ES" dirty="0" err="1"/>
+              <a:t>is</a:t>
+            </a:r>
+            <a:r>
+              <a:rPr lang="es-ES" dirty="0"/>
+              <a:t> </a:t>
+            </a:r>
+            <a:r>
+              <a:rPr lang="es-ES" dirty="0" err="1"/>
+              <a:t>not</a:t>
+            </a:r>
+            <a:r>
+              <a:rPr lang="es-ES" dirty="0"/>
+              <a:t> </a:t>
+            </a:r>
+            <a:r>
+              <a:rPr lang="es-ES" dirty="0" err="1"/>
+              <a:t>Null</a:t>
+            </a:r>
+            <a:r>
+              <a:rPr lang="es-ES" dirty="0"/>
+              <a:t>;</a:t>
             </a:r>
             <a:endParaRPr lang="es-CO" dirty="0"/>
-          </a:p>
-          <a:p>
-            <a:r>
-              <a:rPr lang="es-CO" dirty="0"/>
-              <a:t>WHERE ciudad = '</a:t>
-            </a:r>
-            <a:r>
-              <a:rPr lang="es-CO" dirty="0" err="1"/>
-              <a:t>Bogota</a:t>
-            </a:r>
-            <a:r>
-              <a:rPr lang="es-CO" dirty="0"/>
-              <a:t>';</a:t>
-            </a:r>
-          </a:p>
-          <a:p>
-            <a:endParaRPr lang="es-CO" dirty="0"/>
-          </a:p>
-          <a:p>
-            <a:r>
-              <a:rPr lang="es-CO" dirty="0"/>
-              <a:t>SELECT nombre, presupuesto</a:t>
-            </a:r>
-          </a:p>
-          <a:p>
-            <a:r>
-              <a:rPr lang="es-CO" dirty="0"/>
-              <a:t>FROM </a:t>
-            </a:r>
-            <a:r>
-              <a:rPr lang="es-CO" dirty="0" err="1"/>
-              <a:t>parranderos.bebedores</a:t>
-            </a:r>
-            <a:endParaRPr lang="es-CO" dirty="0"/>
-          </a:p>
-          <a:p>
-            <a:r>
-              <a:rPr lang="es-CO" dirty="0"/>
-              <a:t>WHERE presupuesto IS </a:t>
-            </a:r>
-            <a:r>
-              <a:rPr lang="es-CO" dirty="0" err="1"/>
-              <a:t>null</a:t>
-            </a:r>
-            <a:r>
-              <a:rPr lang="es-CO" dirty="0"/>
-              <a:t>;</a:t>
-            </a:r>
-          </a:p>
-          <a:p>
-            <a:r>
-              <a:rPr lang="es-ES" dirty="0"/>
-              <a:t>// La comparación es con el operador IS, no con = !!!</a:t>
-            </a:r>
-          </a:p>
-          <a:p>
-            <a:endParaRPr lang="es-ES" dirty="0"/>
-          </a:p>
-          <a:p>
-            <a:r>
-              <a:rPr lang="en-US" dirty="0"/>
-              <a:t>SELECT </a:t>
-            </a:r>
-            <a:r>
-              <a:rPr lang="en-US" dirty="0" err="1"/>
-              <a:t>nombre</a:t>
-            </a:r>
-            <a:r>
-              <a:rPr lang="en-US" dirty="0"/>
-              <a:t>, ciudad</a:t>
-            </a:r>
-          </a:p>
-          <a:p>
-            <a:r>
-              <a:rPr lang="en-US" dirty="0"/>
-              <a:t>FROM </a:t>
-            </a:r>
-            <a:r>
-              <a:rPr lang="en-US" dirty="0" err="1"/>
-              <a:t>parranderos.bares</a:t>
-            </a:r>
-            <a:endParaRPr lang="en-US" dirty="0"/>
-          </a:p>
-          <a:p>
-            <a:r>
-              <a:rPr lang="en-US" dirty="0"/>
-              <a:t>WHERE ciudad NOT LIKE '</a:t>
-            </a:r>
-            <a:r>
-              <a:rPr lang="en-US" dirty="0" err="1"/>
-              <a:t>Bogot</a:t>
-            </a:r>
-            <a:r>
-              <a:rPr lang="en-US" dirty="0"/>
-              <a:t>%' AND ciudad NOT LIKE '</a:t>
-            </a:r>
-            <a:r>
-              <a:rPr lang="en-US" dirty="0" err="1"/>
-              <a:t>Medell%n</a:t>
-            </a:r>
-            <a:r>
-              <a:rPr lang="en-US" dirty="0"/>
-              <a:t>';</a:t>
-            </a:r>
-          </a:p>
-          <a:p>
-            <a:endParaRPr lang="es-CO" dirty="0"/>
-          </a:p>
-          <a:p>
-            <a:r>
-              <a:rPr lang="es-CO" dirty="0"/>
-              <a:t>SELECT * </a:t>
-            </a:r>
-          </a:p>
-          <a:p>
-            <a:r>
-              <a:rPr lang="es-CO" dirty="0"/>
-              <a:t>FROM </a:t>
-            </a:r>
-            <a:r>
-              <a:rPr lang="es-CO" dirty="0" err="1"/>
-              <a:t>parranderos.frecuentan</a:t>
-            </a:r>
-            <a:endParaRPr lang="es-CO" dirty="0"/>
-          </a:p>
-          <a:p>
-            <a:r>
-              <a:rPr lang="es-CO" dirty="0"/>
-              <a:t>ORDER BY </a:t>
-            </a:r>
-            <a:r>
-              <a:rPr lang="es-CO" dirty="0" err="1"/>
-              <a:t>id_bar</a:t>
-            </a:r>
-            <a:r>
-              <a:rPr lang="es-CO" dirty="0"/>
-              <a:t> ASC, </a:t>
-            </a:r>
-            <a:r>
-              <a:rPr lang="es-CO" dirty="0" err="1"/>
-              <a:t>fecha_ultima_visita</a:t>
-            </a:r>
-            <a:r>
-              <a:rPr lang="es-CO" dirty="0"/>
-              <a:t> DESC;</a:t>
-            </a:r>
           </a:p>
         </p:txBody>
       </p:sp>
@@ -22677,15 +22736,6 @@
 </file>
 
 <file path=customXml/item1.xml><?xml version="1.0" encoding="utf-8"?>
-<?mso-contentType ?>
-<FormTemplates xmlns="http://schemas.microsoft.com/sharepoint/v3/contenttype/forms">
-  <Display>DocumentLibraryForm</Display>
-  <Edit>DocumentLibraryForm</Edit>
-  <New>DocumentLibraryForm</New>
-</FormTemplates>
-</file>
-
-<file path=customXml/item2.xml><?xml version="1.0" encoding="utf-8"?>
 <ct:contentTypeSchema xmlns:ct="http://schemas.microsoft.com/office/2006/metadata/contentType" xmlns:ma="http://schemas.microsoft.com/office/2006/metadata/properties/metaAttributes" ct:_="" ma:_="" ma:contentTypeName="Documento" ma:contentTypeID="0x01010020F529DEB8C6B848B5973A83F61ADED3" ma:contentTypeVersion="14" ma:contentTypeDescription="Crear nuevo documento." ma:contentTypeScope="" ma:versionID="c3535e66bb0b15c962dbc38efe358f0d">
   <xsd:schema xmlns:xsd="http://www.w3.org/2001/XMLSchema" xmlns:xs="http://www.w3.org/2001/XMLSchema" xmlns:p="http://schemas.microsoft.com/office/2006/metadata/properties" xmlns:ns2="3e454257-1727-4a9d-9c89-66a9b64f5006" xmlns:ns3="fd368f84-dc90-455f-abd5-f1498c9b77ef" targetNamespace="http://schemas.microsoft.com/office/2006/metadata/properties" ma:root="true" ma:fieldsID="9264f12a0ad0abd806158a08a969ada3" ns2:_="" ns3:_="">
     <xsd:import namespace="3e454257-1727-4a9d-9c89-66a9b64f5006"/>
@@ -22914,7 +22964,7 @@
 </ct:contentTypeSchema>
 </file>
 
-<file path=customXml/item3.xml><?xml version="1.0" encoding="utf-8"?>
+<file path=customXml/item2.xml><?xml version="1.0" encoding="utf-8"?>
 <p:properties xmlns:p="http://schemas.microsoft.com/office/2006/metadata/properties" xmlns:xsi="http://www.w3.org/2001/XMLSchema-instance" xmlns:pc="http://schemas.microsoft.com/office/infopath/2007/PartnerControls">
   <documentManagement>
     <lcf76f155ced4ddcb4097134ff3c332f xmlns="3e454257-1727-4a9d-9c89-66a9b64f5006">
@@ -22925,15 +22975,16 @@
 </p:properties>
 </file>
 
-<file path=customXml/itemProps1.xml><?xml version="1.0" encoding="utf-8"?>
-<ds:datastoreItem xmlns:ds="http://schemas.openxmlformats.org/officeDocument/2006/customXml" ds:itemID="{9293BA0B-C5BE-42C8-92E8-A5F398783B62}">
-  <ds:schemaRefs>
-    <ds:schemaRef ds:uri="http://schemas.microsoft.com/sharepoint/v3/contenttype/forms"/>
-  </ds:schemaRefs>
-</ds:datastoreItem>
+<file path=customXml/item3.xml><?xml version="1.0" encoding="utf-8"?>
+<?mso-contentType ?>
+<FormTemplates xmlns="http://schemas.microsoft.com/sharepoint/v3/contenttype/forms">
+  <Display>DocumentLibraryForm</Display>
+  <Edit>DocumentLibraryForm</Edit>
+  <New>DocumentLibraryForm</New>
+</FormTemplates>
 </file>
 
-<file path=customXml/itemProps2.xml><?xml version="1.0" encoding="utf-8"?>
+<file path=customXml/itemProps1.xml><?xml version="1.0" encoding="utf-8"?>
 <ds:datastoreItem xmlns:ds="http://schemas.openxmlformats.org/officeDocument/2006/customXml" ds:itemID="{1C881DD8-F3D5-4536-8772-CE09B6609628}">
   <ds:schemaRefs>
     <ds:schemaRef ds:uri="http://schemas.microsoft.com/office/2006/metadata/contentType"/>
@@ -22952,7 +23003,7 @@
 </ds:datastoreItem>
 </file>
 
-<file path=customXml/itemProps3.xml><?xml version="1.0" encoding="utf-8"?>
+<file path=customXml/itemProps2.xml><?xml version="1.0" encoding="utf-8"?>
 <ds:datastoreItem xmlns:ds="http://schemas.openxmlformats.org/officeDocument/2006/customXml" ds:itemID="{3EFFC80B-1EE8-4639-B82E-829442ECD86B}">
   <ds:schemaRefs>
     <ds:schemaRef ds:uri="http://schemas.microsoft.com/office/2006/metadata/properties"/>
@@ -22961,4 +23012,12 @@
     <ds:schemaRef ds:uri="fd368f84-dc90-455f-abd5-f1498c9b77ef"/>
   </ds:schemaRefs>
 </ds:datastoreItem>
+</file>
+
+<file path=customXml/itemProps3.xml><?xml version="1.0" encoding="utf-8"?>
+<ds:datastoreItem xmlns:ds="http://schemas.openxmlformats.org/officeDocument/2006/customXml" ds:itemID="{9293BA0B-C5BE-42C8-92E8-A5F398783B62}">
+  <ds:schemaRefs>
+    <ds:schemaRef ds:uri="http://schemas.microsoft.com/sharepoint/v3/contenttype/forms"/>
+  </ds:schemaRefs>
+</ds:datastoreItem>
 </file>